--- a/HC_DB_Analyses/EIMetric2DistributionsLLLLOnly.pptx
+++ b/HC_DB_Analyses/EIMetric2DistributionsLLLLOnly.pptx
@@ -10,7 +10,7 @@
   <p:sldIdLst>
     <p:sldId id="256" r:id="rId2"/>
   </p:sldIdLst>
-  <p:sldSz cx="14400213" cy="5759450"/>
+  <p:sldSz cx="14400213" cy="10799763"/>
   <p:notesSz cx="6858000" cy="9144000"/>
   <p:defaultTextStyle>
     <a:defPPr>
@@ -110,7 +110,7 @@
   <p:extLst>
     <p:ext uri="{EFAFB233-063F-42B5-8137-9DF3F51BA10A}">
       <p15:sldGuideLst xmlns:p15="http://schemas.microsoft.com/office/powerpoint/2012/main">
-        <p15:guide id="1" orient="horz" pos="1814" userDrawn="1">
+        <p15:guide id="1" orient="horz" pos="3402" userDrawn="1">
           <p15:clr>
             <a:srgbClr val="A4A3A4"/>
           </p15:clr>
@@ -208,7 +208,7 @@
           <a:p>
             <a:fld id="{767DAEA1-967D-4ACD-89D4-B5AB51550092}" type="datetimeFigureOut">
               <a:rPr lang="en-US" smtClean="0"/>
-              <a:t>10/21/17</a:t>
+              <a:t>5/13/18</a:t>
             </a:fld>
             <a:endParaRPr lang="en-US"/>
           </a:p>
@@ -226,8 +226,8 @@
         </p:nvSpPr>
         <p:spPr>
           <a:xfrm>
-            <a:off x="-857250" y="685800"/>
-            <a:ext cx="8572500" cy="3429000"/>
+            <a:off x="1143000" y="685800"/>
+            <a:ext cx="4572000" cy="3429000"/>
           </a:xfrm>
           <a:prstGeom prst="rect">
             <a:avLst/>
@@ -505,8 +505,8 @@
         </p:nvSpPr>
         <p:spPr>
           <a:xfrm>
-            <a:off x="-857250" y="685800"/>
-            <a:ext cx="8572500" cy="3429000"/>
+            <a:off x="1143000" y="685800"/>
+            <a:ext cx="4572000" cy="3429000"/>
           </a:xfrm>
         </p:spPr>
       </p:sp>
@@ -594,8 +594,8 @@
         </p:nvSpPr>
         <p:spPr>
           <a:xfrm>
-            <a:off x="1080017" y="1789164"/>
-            <a:ext cx="12240181" cy="1234549"/>
+            <a:off x="1080017" y="3354930"/>
+            <a:ext cx="12240181" cy="2314950"/>
           </a:xfrm>
         </p:spPr>
         <p:txBody>
@@ -622,8 +622,8 @@
         </p:nvSpPr>
         <p:spPr>
           <a:xfrm>
-            <a:off x="2160033" y="3263689"/>
-            <a:ext cx="10080149" cy="1471859"/>
+            <a:off x="2160033" y="6119868"/>
+            <a:ext cx="10080149" cy="2759939"/>
           </a:xfrm>
         </p:spPr>
         <p:txBody>
@@ -746,7 +746,7 @@
           <a:p>
             <a:fld id="{07CFCC3F-9C50-4357-A512-F047B52B42A6}" type="datetimeFigureOut">
               <a:rPr lang="en-US" smtClean="0"/>
-              <a:t>10/21/17</a:t>
+              <a:t>5/13/18</a:t>
             </a:fld>
             <a:endParaRPr lang="en-US"/>
           </a:p>
@@ -916,7 +916,7 @@
           <a:p>
             <a:fld id="{07CFCC3F-9C50-4357-A512-F047B52B42A6}" type="datetimeFigureOut">
               <a:rPr lang="en-US" smtClean="0"/>
-              <a:t>10/21/17</a:t>
+              <a:t>5/13/18</a:t>
             </a:fld>
             <a:endParaRPr lang="en-US"/>
           </a:p>
@@ -1006,8 +1006,8 @@
         </p:nvSpPr>
         <p:spPr>
           <a:xfrm>
-            <a:off x="32887992" y="483956"/>
-            <a:ext cx="10205151" cy="10320347"/>
+            <a:off x="32887993" y="907485"/>
+            <a:ext cx="10205151" cy="19352074"/>
           </a:xfrm>
         </p:spPr>
         <p:txBody>
@@ -1034,8 +1034,8 @@
         </p:nvSpPr>
         <p:spPr>
           <a:xfrm>
-            <a:off x="2267538" y="483956"/>
-            <a:ext cx="30380449" cy="10320347"/>
+            <a:off x="2267539" y="907485"/>
+            <a:ext cx="30380449" cy="19352074"/>
           </a:xfrm>
         </p:spPr>
         <p:txBody>
@@ -1096,7 +1096,7 @@
           <a:p>
             <a:fld id="{07CFCC3F-9C50-4357-A512-F047B52B42A6}" type="datetimeFigureOut">
               <a:rPr lang="en-US" smtClean="0"/>
-              <a:t>10/21/17</a:t>
+              <a:t>5/13/18</a:t>
             </a:fld>
             <a:endParaRPr lang="en-US"/>
           </a:p>
@@ -1266,7 +1266,7 @@
           <a:p>
             <a:fld id="{07CFCC3F-9C50-4357-A512-F047B52B42A6}" type="datetimeFigureOut">
               <a:rPr lang="en-US" smtClean="0"/>
-              <a:t>10/21/17</a:t>
+              <a:t>5/13/18</a:t>
             </a:fld>
             <a:endParaRPr lang="en-US"/>
           </a:p>
@@ -1356,8 +1356,8 @@
         </p:nvSpPr>
         <p:spPr>
           <a:xfrm>
-            <a:off x="1137519" y="3700981"/>
-            <a:ext cx="12240181" cy="1143891"/>
+            <a:off x="1137520" y="6939851"/>
+            <a:ext cx="12240181" cy="2144953"/>
           </a:xfrm>
         </p:spPr>
         <p:txBody>
@@ -1388,8 +1388,8 @@
         </p:nvSpPr>
         <p:spPr>
           <a:xfrm>
-            <a:off x="1137519" y="2441103"/>
-            <a:ext cx="12240181" cy="1259879"/>
+            <a:off x="1137520" y="4577406"/>
+            <a:ext cx="12240181" cy="2362447"/>
           </a:xfrm>
         </p:spPr>
         <p:txBody>
@@ -1512,7 +1512,7 @@
           <a:p>
             <a:fld id="{07CFCC3F-9C50-4357-A512-F047B52B42A6}" type="datetimeFigureOut">
               <a:rPr lang="en-US" smtClean="0"/>
-              <a:t>10/21/17</a:t>
+              <a:t>5/13/18</a:t>
             </a:fld>
             <a:endParaRPr lang="en-US"/>
           </a:p>
@@ -1625,8 +1625,8 @@
         </p:nvSpPr>
         <p:spPr>
           <a:xfrm>
-            <a:off x="2267535" y="2822398"/>
-            <a:ext cx="20292800" cy="7981904"/>
+            <a:off x="2267535" y="5292385"/>
+            <a:ext cx="20292800" cy="14967171"/>
           </a:xfrm>
         </p:spPr>
         <p:txBody>
@@ -1710,8 +1710,8 @@
         </p:nvSpPr>
         <p:spPr>
           <a:xfrm>
-            <a:off x="22800339" y="2822398"/>
-            <a:ext cx="20292801" cy="7981904"/>
+            <a:off x="22800340" y="5292385"/>
+            <a:ext cx="20292801" cy="14967171"/>
           </a:xfrm>
         </p:spPr>
         <p:txBody>
@@ -1800,7 +1800,7 @@
           <a:p>
             <a:fld id="{07CFCC3F-9C50-4357-A512-F047B52B42A6}" type="datetimeFigureOut">
               <a:rPr lang="en-US" smtClean="0"/>
-              <a:t>10/21/17</a:t>
+              <a:t>5/13/18</a:t>
             </a:fld>
             <a:endParaRPr lang="en-US"/>
           </a:p>
@@ -1890,8 +1890,8 @@
         </p:nvSpPr>
         <p:spPr>
           <a:xfrm>
-            <a:off x="720011" y="230646"/>
-            <a:ext cx="12960192" cy="959908"/>
+            <a:off x="720011" y="432493"/>
+            <a:ext cx="12960192" cy="1799960"/>
           </a:xfrm>
         </p:spPr>
         <p:txBody>
@@ -1922,8 +1922,8 @@
         </p:nvSpPr>
         <p:spPr>
           <a:xfrm>
-            <a:off x="720012" y="1289211"/>
-            <a:ext cx="6362595" cy="537281"/>
+            <a:off x="720012" y="2417449"/>
+            <a:ext cx="6362595" cy="1007476"/>
           </a:xfrm>
         </p:spPr>
         <p:txBody>
@@ -1987,8 +1987,8 @@
         </p:nvSpPr>
         <p:spPr>
           <a:xfrm>
-            <a:off x="720012" y="1826492"/>
-            <a:ext cx="6362595" cy="3318351"/>
+            <a:off x="720012" y="3424925"/>
+            <a:ext cx="6362595" cy="6222366"/>
           </a:xfrm>
         </p:spPr>
         <p:txBody>
@@ -2072,8 +2072,8 @@
         </p:nvSpPr>
         <p:spPr>
           <a:xfrm>
-            <a:off x="7315112" y="1289211"/>
-            <a:ext cx="6365094" cy="537281"/>
+            <a:off x="7315112" y="2417449"/>
+            <a:ext cx="6365094" cy="1007476"/>
           </a:xfrm>
         </p:spPr>
         <p:txBody>
@@ -2137,8 +2137,8 @@
         </p:nvSpPr>
         <p:spPr>
           <a:xfrm>
-            <a:off x="7315112" y="1826492"/>
-            <a:ext cx="6365094" cy="3318351"/>
+            <a:off x="7315112" y="3424925"/>
+            <a:ext cx="6365094" cy="6222366"/>
           </a:xfrm>
         </p:spPr>
         <p:txBody>
@@ -2227,7 +2227,7 @@
           <a:p>
             <a:fld id="{07CFCC3F-9C50-4357-A512-F047B52B42A6}" type="datetimeFigureOut">
               <a:rPr lang="en-US" smtClean="0"/>
-              <a:t>10/21/17</a:t>
+              <a:t>5/13/18</a:t>
             </a:fld>
             <a:endParaRPr lang="en-US"/>
           </a:p>
@@ -2345,7 +2345,7 @@
           <a:p>
             <a:fld id="{07CFCC3F-9C50-4357-A512-F047B52B42A6}" type="datetimeFigureOut">
               <a:rPr lang="en-US" smtClean="0"/>
-              <a:t>10/21/17</a:t>
+              <a:t>5/13/18</a:t>
             </a:fld>
             <a:endParaRPr lang="en-US"/>
           </a:p>
@@ -2440,7 +2440,7 @@
           <a:p>
             <a:fld id="{07CFCC3F-9C50-4357-A512-F047B52B42A6}" type="datetimeFigureOut">
               <a:rPr lang="en-US" smtClean="0"/>
-              <a:t>10/21/17</a:t>
+              <a:t>5/13/18</a:t>
             </a:fld>
             <a:endParaRPr lang="en-US"/>
           </a:p>
@@ -2530,8 +2530,8 @@
         </p:nvSpPr>
         <p:spPr>
           <a:xfrm>
-            <a:off x="720013" y="229312"/>
-            <a:ext cx="4737571" cy="975907"/>
+            <a:off x="720014" y="429993"/>
+            <a:ext cx="4737571" cy="1829960"/>
           </a:xfrm>
         </p:spPr>
         <p:txBody>
@@ -2562,8 +2562,8 @@
         </p:nvSpPr>
         <p:spPr>
           <a:xfrm>
-            <a:off x="5630087" y="229314"/>
-            <a:ext cx="8050119" cy="4915531"/>
+            <a:off x="5630088" y="429997"/>
+            <a:ext cx="8050119" cy="9217298"/>
           </a:xfrm>
         </p:spPr>
         <p:txBody>
@@ -2647,8 +2647,8 @@
         </p:nvSpPr>
         <p:spPr>
           <a:xfrm>
-            <a:off x="720013" y="1205220"/>
-            <a:ext cx="4737571" cy="3939624"/>
+            <a:off x="720014" y="2259954"/>
+            <a:ext cx="4737571" cy="7387338"/>
           </a:xfrm>
         </p:spPr>
         <p:txBody>
@@ -2717,7 +2717,7 @@
           <a:p>
             <a:fld id="{07CFCC3F-9C50-4357-A512-F047B52B42A6}" type="datetimeFigureOut">
               <a:rPr lang="en-US" smtClean="0"/>
-              <a:t>10/21/17</a:t>
+              <a:t>5/13/18</a:t>
             </a:fld>
             <a:endParaRPr lang="en-US"/>
           </a:p>
@@ -2807,8 +2807,8 @@
         </p:nvSpPr>
         <p:spPr>
           <a:xfrm>
-            <a:off x="2822542" y="4031616"/>
-            <a:ext cx="8640128" cy="475955"/>
+            <a:off x="2822542" y="7559837"/>
+            <a:ext cx="8640128" cy="892481"/>
           </a:xfrm>
         </p:spPr>
         <p:txBody>
@@ -2839,8 +2839,8 @@
         </p:nvSpPr>
         <p:spPr>
           <a:xfrm>
-            <a:off x="2822542" y="514618"/>
-            <a:ext cx="8640128" cy="3455670"/>
+            <a:off x="2822542" y="964980"/>
+            <a:ext cx="8640128" cy="6479858"/>
           </a:xfrm>
         </p:spPr>
         <p:txBody>
@@ -2900,8 +2900,8 @@
         </p:nvSpPr>
         <p:spPr>
           <a:xfrm>
-            <a:off x="2822542" y="4507571"/>
-            <a:ext cx="8640128" cy="675935"/>
+            <a:off x="2822542" y="8452318"/>
+            <a:ext cx="8640128" cy="1267471"/>
           </a:xfrm>
         </p:spPr>
         <p:txBody>
@@ -2970,7 +2970,7 @@
           <a:p>
             <a:fld id="{07CFCC3F-9C50-4357-A512-F047B52B42A6}" type="datetimeFigureOut">
               <a:rPr lang="en-US" smtClean="0"/>
-              <a:t>10/21/17</a:t>
+              <a:t>5/13/18</a:t>
             </a:fld>
             <a:endParaRPr lang="en-US"/>
           </a:p>
@@ -3065,8 +3065,8 @@
         </p:nvSpPr>
         <p:spPr>
           <a:xfrm>
-            <a:off x="720011" y="230646"/>
-            <a:ext cx="12960192" cy="959908"/>
+            <a:off x="720011" y="432493"/>
+            <a:ext cx="12960192" cy="1799960"/>
           </a:xfrm>
           <a:prstGeom prst="rect">
             <a:avLst/>
@@ -3098,8 +3098,8 @@
         </p:nvSpPr>
         <p:spPr>
           <a:xfrm>
-            <a:off x="720011" y="1343873"/>
-            <a:ext cx="12960192" cy="3800971"/>
+            <a:off x="720011" y="2519948"/>
+            <a:ext cx="12960192" cy="7127345"/>
           </a:xfrm>
           <a:prstGeom prst="rect">
             <a:avLst/>
@@ -3160,8 +3160,8 @@
         </p:nvSpPr>
         <p:spPr>
           <a:xfrm>
-            <a:off x="720011" y="5338159"/>
-            <a:ext cx="3360050" cy="306637"/>
+            <a:off x="720011" y="10009785"/>
+            <a:ext cx="3360050" cy="574987"/>
           </a:xfrm>
           <a:prstGeom prst="rect">
             <a:avLst/>
@@ -3183,7 +3183,7 @@
           <a:p>
             <a:fld id="{07CFCC3F-9C50-4357-A512-F047B52B42A6}" type="datetimeFigureOut">
               <a:rPr lang="en-US" smtClean="0"/>
-              <a:t>10/21/17</a:t>
+              <a:t>5/13/18</a:t>
             </a:fld>
             <a:endParaRPr lang="en-US"/>
           </a:p>
@@ -3201,8 +3201,8 @@
         </p:nvSpPr>
         <p:spPr>
           <a:xfrm>
-            <a:off x="4920074" y="5338159"/>
-            <a:ext cx="4560067" cy="306637"/>
+            <a:off x="4920074" y="10009785"/>
+            <a:ext cx="4560067" cy="574987"/>
           </a:xfrm>
           <a:prstGeom prst="rect">
             <a:avLst/>
@@ -3238,8 +3238,8 @@
         </p:nvSpPr>
         <p:spPr>
           <a:xfrm>
-            <a:off x="10320153" y="5338159"/>
-            <a:ext cx="3360050" cy="306637"/>
+            <a:off x="10320153" y="10009785"/>
+            <a:ext cx="3360050" cy="574987"/>
           </a:xfrm>
           <a:prstGeom prst="rect">
             <a:avLst/>
@@ -3558,69 +3558,9 @@
           <a:chExt cx="0" cy="0"/>
         </a:xfrm>
       </p:grpSpPr>
-      <p:sp>
-        <p:nvSpPr>
-          <p:cNvPr id="2" name="TextBox 1"/>
-          <p:cNvSpPr txBox="1"/>
-          <p:nvPr/>
-        </p:nvSpPr>
-        <p:spPr>
-          <a:xfrm>
-            <a:off x="2780506" y="-139622"/>
-            <a:ext cx="2310697" cy="846386"/>
-          </a:xfrm>
-          <a:prstGeom prst="rect">
-            <a:avLst/>
-          </a:prstGeom>
-          <a:noFill/>
-        </p:spPr>
-        <p:txBody>
-          <a:bodyPr wrap="none" rtlCol="0">
-            <a:spAutoFit/>
-          </a:bodyPr>
-          <a:lstStyle/>
-          <a:p>
-            <a:r>
-              <a:rPr lang="en-US" dirty="0" smtClean="0"/>
-              <a:t>SDprox1</a:t>
-            </a:r>
-            <a:endParaRPr lang="en-US" dirty="0"/>
-          </a:p>
-        </p:txBody>
-      </p:sp>
-      <p:sp>
-        <p:nvSpPr>
-          <p:cNvPr id="9" name="TextBox 8"/>
-          <p:cNvSpPr txBox="1"/>
-          <p:nvPr/>
-        </p:nvSpPr>
-        <p:spPr>
-          <a:xfrm>
-            <a:off x="10019506" y="-139622"/>
-            <a:ext cx="2310697" cy="846386"/>
-          </a:xfrm>
-          <a:prstGeom prst="rect">
-            <a:avLst/>
-          </a:prstGeom>
-          <a:noFill/>
-        </p:spPr>
-        <p:txBody>
-          <a:bodyPr wrap="none" rtlCol="0">
-            <a:spAutoFit/>
-          </a:bodyPr>
-          <a:lstStyle/>
-          <a:p>
-            <a:r>
-              <a:rPr lang="en-US" smtClean="0"/>
-              <a:t>SDprox2</a:t>
-            </a:r>
-            <a:endParaRPr lang="en-US"/>
-          </a:p>
-        </p:txBody>
-      </p:sp>
       <p:pic>
         <p:nvPicPr>
-          <p:cNvPr id="3" name="Picture 2"/>
+          <p:cNvPr id="8" name="Picture 7"/>
           <p:cNvPicPr>
             <a:picLocks noChangeAspect="1"/>
           </p:cNvPicPr>
@@ -3640,8 +3580,8 @@
         </p:blipFill>
         <p:spPr>
           <a:xfrm>
-            <a:off x="265906" y="663657"/>
-            <a:ext cx="6705600" cy="5095793"/>
+            <a:off x="265906" y="5667843"/>
+            <a:ext cx="6669765" cy="5068561"/>
           </a:xfrm>
           <a:prstGeom prst="rect">
             <a:avLst/>
@@ -3650,7 +3590,7 @@
       </p:pic>
       <p:pic>
         <p:nvPicPr>
-          <p:cNvPr id="4" name="Picture 3"/>
+          <p:cNvPr id="10" name="Picture 9"/>
           <p:cNvPicPr>
             <a:picLocks noChangeAspect="1"/>
           </p:cNvPicPr>
@@ -3670,7 +3610,7 @@
         </p:blipFill>
         <p:spPr>
           <a:xfrm>
-            <a:off x="7464541" y="669925"/>
+            <a:off x="7464541" y="5667843"/>
             <a:ext cx="6669765" cy="5068561"/>
           </a:xfrm>
           <a:prstGeom prst="rect">
@@ -3678,6 +3618,462 @@
           </a:prstGeom>
         </p:spPr>
       </p:pic>
+      <p:pic>
+        <p:nvPicPr>
+          <p:cNvPr id="5" name="Picture 4"/>
+          <p:cNvPicPr>
+            <a:picLocks noChangeAspect="1"/>
+          </p:cNvPicPr>
+          <p:nvPr/>
+        </p:nvPicPr>
+        <p:blipFill>
+          <a:blip r:embed="rId5">
+            <a:extLst>
+              <a:ext uri="{28A0092B-C50C-407E-A947-70E740481C1C}">
+                <a14:useLocalDpi xmlns:a14="http://schemas.microsoft.com/office/drawing/2010/main" val="0"/>
+              </a:ext>
+            </a:extLst>
+          </a:blip>
+          <a:stretch>
+            <a:fillRect/>
+          </a:stretch>
+        </p:blipFill>
+        <p:spPr>
+          <a:xfrm>
+            <a:off x="265905" y="599282"/>
+            <a:ext cx="6669766" cy="5068562"/>
+          </a:xfrm>
+          <a:prstGeom prst="rect">
+            <a:avLst/>
+          </a:prstGeom>
+        </p:spPr>
+      </p:pic>
+      <p:pic>
+        <p:nvPicPr>
+          <p:cNvPr id="11" name="Picture 10"/>
+          <p:cNvPicPr>
+            <a:picLocks noChangeAspect="1"/>
+          </p:cNvPicPr>
+          <p:nvPr/>
+        </p:nvPicPr>
+        <p:blipFill>
+          <a:blip r:embed="rId6">
+            <a:extLst>
+              <a:ext uri="{28A0092B-C50C-407E-A947-70E740481C1C}">
+                <a14:useLocalDpi xmlns:a14="http://schemas.microsoft.com/office/drawing/2010/main" val="0"/>
+              </a:ext>
+            </a:extLst>
+          </a:blip>
+          <a:stretch>
+            <a:fillRect/>
+          </a:stretch>
+        </p:blipFill>
+        <p:spPr>
+          <a:xfrm>
+            <a:off x="7464540" y="599281"/>
+            <a:ext cx="6669765" cy="5068561"/>
+          </a:xfrm>
+          <a:prstGeom prst="rect">
+            <a:avLst/>
+          </a:prstGeom>
+        </p:spPr>
+      </p:pic>
+      <p:sp>
+        <p:nvSpPr>
+          <p:cNvPr id="6" name="TextBox 5"/>
+          <p:cNvSpPr txBox="1"/>
+          <p:nvPr/>
+        </p:nvSpPr>
+        <p:spPr>
+          <a:xfrm>
+            <a:off x="2780506" y="-139622"/>
+            <a:ext cx="2310697" cy="846386"/>
+          </a:xfrm>
+          <a:prstGeom prst="rect">
+            <a:avLst/>
+          </a:prstGeom>
+          <a:noFill/>
+        </p:spPr>
+        <p:txBody>
+          <a:bodyPr wrap="none" rtlCol="0">
+            <a:spAutoFit/>
+          </a:bodyPr>
+          <a:lstStyle/>
+          <a:p>
+            <a:r>
+              <a:rPr lang="en-US" dirty="0" smtClean="0"/>
+              <a:t>SDprox1</a:t>
+            </a:r>
+            <a:endParaRPr lang="en-US" dirty="0"/>
+          </a:p>
+        </p:txBody>
+      </p:sp>
+      <p:sp>
+        <p:nvSpPr>
+          <p:cNvPr id="7" name="TextBox 6"/>
+          <p:cNvSpPr txBox="1"/>
+          <p:nvPr/>
+        </p:nvSpPr>
+        <p:spPr>
+          <a:xfrm>
+            <a:off x="10019506" y="-139622"/>
+            <a:ext cx="2310697" cy="846386"/>
+          </a:xfrm>
+          <a:prstGeom prst="rect">
+            <a:avLst/>
+          </a:prstGeom>
+          <a:noFill/>
+        </p:spPr>
+        <p:txBody>
+          <a:bodyPr wrap="none" rtlCol="0">
+            <a:spAutoFit/>
+          </a:bodyPr>
+          <a:lstStyle/>
+          <a:p>
+            <a:r>
+              <a:rPr lang="en-US" smtClean="0"/>
+              <a:t>SDprox2</a:t>
+            </a:r>
+            <a:endParaRPr lang="en-US"/>
+          </a:p>
+        </p:txBody>
+      </p:sp>
+      <p:cxnSp>
+        <p:nvCxnSpPr>
+          <p:cNvPr id="9" name="Straight Connector 8"/>
+          <p:cNvCxnSpPr/>
+          <p:nvPr/>
+        </p:nvCxnSpPr>
+        <p:spPr>
+          <a:xfrm>
+            <a:off x="3934800" y="792000"/>
+            <a:ext cx="0" cy="4176000"/>
+          </a:xfrm>
+          <a:prstGeom prst="line">
+            <a:avLst/>
+          </a:prstGeom>
+          <a:ln w="38100">
+            <a:solidFill>
+              <a:srgbClr val="FF0000"/>
+            </a:solidFill>
+            <a:prstDash val="dash"/>
+          </a:ln>
+        </p:spPr>
+        <p:style>
+          <a:lnRef idx="1">
+            <a:schemeClr val="accent1"/>
+          </a:lnRef>
+          <a:fillRef idx="0">
+            <a:schemeClr val="accent1"/>
+          </a:fillRef>
+          <a:effectRef idx="0">
+            <a:schemeClr val="accent1"/>
+          </a:effectRef>
+          <a:fontRef idx="minor">
+            <a:schemeClr val="tx1"/>
+          </a:fontRef>
+        </p:style>
+      </p:cxnSp>
+      <p:cxnSp>
+        <p:nvCxnSpPr>
+          <p:cNvPr id="12" name="Straight Connector 11"/>
+          <p:cNvCxnSpPr/>
+          <p:nvPr/>
+        </p:nvCxnSpPr>
+        <p:spPr>
+          <a:xfrm>
+            <a:off x="11124000" y="792000"/>
+            <a:ext cx="0" cy="4176000"/>
+          </a:xfrm>
+          <a:prstGeom prst="line">
+            <a:avLst/>
+          </a:prstGeom>
+          <a:ln w="38100">
+            <a:solidFill>
+              <a:srgbClr val="FF0000"/>
+            </a:solidFill>
+            <a:prstDash val="dash"/>
+          </a:ln>
+        </p:spPr>
+        <p:style>
+          <a:lnRef idx="1">
+            <a:schemeClr val="accent1"/>
+          </a:lnRef>
+          <a:fillRef idx="0">
+            <a:schemeClr val="accent1"/>
+          </a:fillRef>
+          <a:effectRef idx="0">
+            <a:schemeClr val="accent1"/>
+          </a:effectRef>
+          <a:fontRef idx="minor">
+            <a:schemeClr val="tx1"/>
+          </a:fontRef>
+        </p:style>
+      </p:cxnSp>
+      <p:cxnSp>
+        <p:nvCxnSpPr>
+          <p:cNvPr id="13" name="Straight Connector 12"/>
+          <p:cNvCxnSpPr/>
+          <p:nvPr/>
+        </p:nvCxnSpPr>
+        <p:spPr>
+          <a:xfrm>
+            <a:off x="3931200" y="5857081"/>
+            <a:ext cx="0" cy="4176000"/>
+          </a:xfrm>
+          <a:prstGeom prst="line">
+            <a:avLst/>
+          </a:prstGeom>
+          <a:ln w="38100">
+            <a:solidFill>
+              <a:srgbClr val="FF0000"/>
+            </a:solidFill>
+            <a:prstDash val="dash"/>
+          </a:ln>
+        </p:spPr>
+        <p:style>
+          <a:lnRef idx="1">
+            <a:schemeClr val="accent1"/>
+          </a:lnRef>
+          <a:fillRef idx="0">
+            <a:schemeClr val="accent1"/>
+          </a:fillRef>
+          <a:effectRef idx="0">
+            <a:schemeClr val="accent1"/>
+          </a:effectRef>
+          <a:fontRef idx="minor">
+            <a:schemeClr val="tx1"/>
+          </a:fontRef>
+        </p:style>
+      </p:cxnSp>
+      <p:cxnSp>
+        <p:nvCxnSpPr>
+          <p:cNvPr id="14" name="Straight Connector 13"/>
+          <p:cNvCxnSpPr/>
+          <p:nvPr/>
+        </p:nvCxnSpPr>
+        <p:spPr>
+          <a:xfrm>
+            <a:off x="11124000" y="5857081"/>
+            <a:ext cx="0" cy="4176000"/>
+          </a:xfrm>
+          <a:prstGeom prst="line">
+            <a:avLst/>
+          </a:prstGeom>
+          <a:ln w="38100">
+            <a:solidFill>
+              <a:srgbClr val="FF0000"/>
+            </a:solidFill>
+            <a:prstDash val="dash"/>
+          </a:ln>
+        </p:spPr>
+        <p:style>
+          <a:lnRef idx="1">
+            <a:schemeClr val="accent1"/>
+          </a:lnRef>
+          <a:fillRef idx="0">
+            <a:schemeClr val="accent1"/>
+          </a:fillRef>
+          <a:effectRef idx="0">
+            <a:schemeClr val="accent1"/>
+          </a:effectRef>
+          <a:fontRef idx="minor">
+            <a:schemeClr val="tx1"/>
+          </a:fontRef>
+        </p:style>
+      </p:cxnSp>
+      <p:sp>
+        <p:nvSpPr>
+          <p:cNvPr id="2" name="Rectangle 1"/>
+          <p:cNvSpPr/>
+          <p:nvPr/>
+        </p:nvSpPr>
+        <p:spPr>
+          <a:xfrm>
+            <a:off x="265906" y="3571081"/>
+            <a:ext cx="304801" cy="457200"/>
+          </a:xfrm>
+          <a:prstGeom prst="rect">
+            <a:avLst/>
+          </a:prstGeom>
+          <a:solidFill>
+            <a:schemeClr val="bg1"/>
+          </a:solidFill>
+          <a:ln>
+            <a:solidFill>
+              <a:schemeClr val="bg1"/>
+            </a:solidFill>
+          </a:ln>
+        </p:spPr>
+        <p:style>
+          <a:lnRef idx="2">
+            <a:schemeClr val="accent1">
+              <a:shade val="50000"/>
+            </a:schemeClr>
+          </a:lnRef>
+          <a:fillRef idx="1">
+            <a:schemeClr val="accent1"/>
+          </a:fillRef>
+          <a:effectRef idx="0">
+            <a:schemeClr val="accent1"/>
+          </a:effectRef>
+          <a:fontRef idx="minor">
+            <a:schemeClr val="lt1"/>
+          </a:fontRef>
+        </p:style>
+        <p:txBody>
+          <a:bodyPr rtlCol="0" anchor="ctr"/>
+          <a:lstStyle/>
+          <a:p>
+            <a:pPr algn="ctr"/>
+            <a:endParaRPr lang="en-US"/>
+          </a:p>
+        </p:txBody>
+      </p:sp>
+      <p:sp>
+        <p:nvSpPr>
+          <p:cNvPr id="15" name="Rectangle 14"/>
+          <p:cNvSpPr/>
+          <p:nvPr/>
+        </p:nvSpPr>
+        <p:spPr>
+          <a:xfrm>
+            <a:off x="7441860" y="3571081"/>
+            <a:ext cx="304801" cy="457200"/>
+          </a:xfrm>
+          <a:prstGeom prst="rect">
+            <a:avLst/>
+          </a:prstGeom>
+          <a:solidFill>
+            <a:schemeClr val="bg1"/>
+          </a:solidFill>
+          <a:ln>
+            <a:solidFill>
+              <a:schemeClr val="bg1"/>
+            </a:solidFill>
+          </a:ln>
+        </p:spPr>
+        <p:style>
+          <a:lnRef idx="2">
+            <a:schemeClr val="accent1">
+              <a:shade val="50000"/>
+            </a:schemeClr>
+          </a:lnRef>
+          <a:fillRef idx="1">
+            <a:schemeClr val="accent1"/>
+          </a:fillRef>
+          <a:effectRef idx="0">
+            <a:schemeClr val="accent1"/>
+          </a:effectRef>
+          <a:fontRef idx="minor">
+            <a:schemeClr val="lt1"/>
+          </a:fontRef>
+        </p:style>
+        <p:txBody>
+          <a:bodyPr rtlCol="0" anchor="ctr"/>
+          <a:lstStyle/>
+          <a:p>
+            <a:pPr algn="ctr"/>
+            <a:endParaRPr lang="en-US"/>
+          </a:p>
+        </p:txBody>
+      </p:sp>
+      <p:sp>
+        <p:nvSpPr>
+          <p:cNvPr id="16" name="Rectangle 15"/>
+          <p:cNvSpPr/>
+          <p:nvPr/>
+        </p:nvSpPr>
+        <p:spPr>
+          <a:xfrm>
+            <a:off x="265906" y="8639643"/>
+            <a:ext cx="304801" cy="457200"/>
+          </a:xfrm>
+          <a:prstGeom prst="rect">
+            <a:avLst/>
+          </a:prstGeom>
+          <a:solidFill>
+            <a:schemeClr val="bg1"/>
+          </a:solidFill>
+          <a:ln>
+            <a:solidFill>
+              <a:schemeClr val="bg1"/>
+            </a:solidFill>
+          </a:ln>
+        </p:spPr>
+        <p:style>
+          <a:lnRef idx="2">
+            <a:schemeClr val="accent1">
+              <a:shade val="50000"/>
+            </a:schemeClr>
+          </a:lnRef>
+          <a:fillRef idx="1">
+            <a:schemeClr val="accent1"/>
+          </a:fillRef>
+          <a:effectRef idx="0">
+            <a:schemeClr val="accent1"/>
+          </a:effectRef>
+          <a:fontRef idx="minor">
+            <a:schemeClr val="lt1"/>
+          </a:fontRef>
+        </p:style>
+        <p:txBody>
+          <a:bodyPr rtlCol="0" anchor="ctr"/>
+          <a:lstStyle/>
+          <a:p>
+            <a:pPr algn="ctr"/>
+            <a:endParaRPr lang="en-US"/>
+          </a:p>
+        </p:txBody>
+      </p:sp>
+      <p:sp>
+        <p:nvSpPr>
+          <p:cNvPr id="17" name="Rectangle 16"/>
+          <p:cNvSpPr/>
+          <p:nvPr/>
+        </p:nvSpPr>
+        <p:spPr>
+          <a:xfrm>
+            <a:off x="7441860" y="8639643"/>
+            <a:ext cx="304801" cy="457200"/>
+          </a:xfrm>
+          <a:prstGeom prst="rect">
+            <a:avLst/>
+          </a:prstGeom>
+          <a:solidFill>
+            <a:schemeClr val="bg1"/>
+          </a:solidFill>
+          <a:ln>
+            <a:solidFill>
+              <a:schemeClr val="bg1"/>
+            </a:solidFill>
+          </a:ln>
+        </p:spPr>
+        <p:style>
+          <a:lnRef idx="2">
+            <a:schemeClr val="accent1">
+              <a:shade val="50000"/>
+            </a:schemeClr>
+          </a:lnRef>
+          <a:fillRef idx="1">
+            <a:schemeClr val="accent1"/>
+          </a:fillRef>
+          <a:effectRef idx="0">
+            <a:schemeClr val="accent1"/>
+          </a:effectRef>
+          <a:fontRef idx="minor">
+            <a:schemeClr val="lt1"/>
+          </a:fontRef>
+        </p:style>
+        <p:txBody>
+          <a:bodyPr rtlCol="0" anchor="ctr"/>
+          <a:lstStyle/>
+          <a:p>
+            <a:pPr algn="ctr"/>
+            <a:endParaRPr lang="en-US"/>
+          </a:p>
+        </p:txBody>
+      </p:sp>
     </p:spTree>
     <p:extLst>
       <p:ext uri="{BB962C8B-B14F-4D97-AF65-F5344CB8AC3E}">
